--- a/documentation/Презентация.pptx
+++ b/documentation/Презентация.pptx
@@ -8843,7 +8843,7 @@
                   <a:schemeClr val="dk1"/>
                 </a:solidFill>
               </a:rPr>
-              <a:t>Мы научились работать с документацией, улучшили навыки в создании веб-приложений, улучшили работу в команде и многому другому.</a:t>
+              <a:t>Мы научились работать с документацией, улучшили навыки в создании веб-приложений, работу в команде и научились многому другому.</a:t>
             </a:r>
             <a:endParaRPr sz="1600">
               <a:solidFill>

--- a/documentation/Презентация.pptx
+++ b/documentation/Презентация.pptx
@@ -1202,7 +1202,7 @@
   <p:cSld>
     <p:spTree>
       <p:nvGrpSpPr>
-        <p:cNvPr id="145" name="Shape 145"/>
+        <p:cNvPr id="147" name="Shape 147"/>
         <p:cNvGrpSpPr/>
         <p:nvPr/>
       </p:nvGrpSpPr>
@@ -1216,7 +1216,7 @@
       </p:grpSpPr>
       <p:sp>
         <p:nvSpPr>
-          <p:cNvPr id="146" name="Google Shape;146;g89865560b9_0_129:notes"/>
+          <p:cNvPr id="148" name="Google Shape;148;g89865560b9_0_129:notes"/>
           <p:cNvSpPr/>
           <p:nvPr>
             <p:ph idx="2" type="sldImg"/>
@@ -1251,7 +1251,7 @@
       </p:sp>
       <p:sp>
         <p:nvSpPr>
-          <p:cNvPr id="147" name="Google Shape;147;g89865560b9_0_129:notes"/>
+          <p:cNvPr id="149" name="Google Shape;149;g89865560b9_0_129:notes"/>
           <p:cNvSpPr txBox="1"/>
           <p:nvPr>
             <p:ph idx="1" type="body"/>
@@ -1301,7 +1301,7 @@
   <p:cSld>
     <p:spTree>
       <p:nvGrpSpPr>
-        <p:cNvPr id="152" name="Shape 152"/>
+        <p:cNvPr id="154" name="Shape 154"/>
         <p:cNvGrpSpPr/>
         <p:nvPr/>
       </p:nvGrpSpPr>
@@ -1315,7 +1315,7 @@
       </p:grpSpPr>
       <p:sp>
         <p:nvSpPr>
-          <p:cNvPr id="153" name="Google Shape;153;g89865560b9_0_139:notes"/>
+          <p:cNvPr id="155" name="Google Shape;155;g89865560b9_0_139:notes"/>
           <p:cNvSpPr/>
           <p:nvPr>
             <p:ph idx="2" type="sldImg"/>
@@ -1350,7 +1350,7 @@
       </p:sp>
       <p:sp>
         <p:nvSpPr>
-          <p:cNvPr id="154" name="Google Shape;154;g89865560b9_0_139:notes"/>
+          <p:cNvPr id="156" name="Google Shape;156;g89865560b9_0_139:notes"/>
           <p:cNvSpPr txBox="1"/>
           <p:nvPr>
             <p:ph idx="1" type="body"/>
@@ -1400,7 +1400,7 @@
   <p:cSld>
     <p:spTree>
       <p:nvGrpSpPr>
-        <p:cNvPr id="159" name="Shape 159"/>
+        <p:cNvPr id="161" name="Shape 161"/>
         <p:cNvGrpSpPr/>
         <p:nvPr/>
       </p:nvGrpSpPr>
@@ -1414,7 +1414,7 @@
       </p:grpSpPr>
       <p:sp>
         <p:nvSpPr>
-          <p:cNvPr id="160" name="Google Shape;160;g89865560b9_0_147:notes"/>
+          <p:cNvPr id="162" name="Google Shape;162;g89865560b9_0_147:notes"/>
           <p:cNvSpPr/>
           <p:nvPr>
             <p:ph idx="2" type="sldImg"/>
@@ -1449,7 +1449,7 @@
       </p:sp>
       <p:sp>
         <p:nvSpPr>
-          <p:cNvPr id="161" name="Google Shape;161;g89865560b9_0_147:notes"/>
+          <p:cNvPr id="163" name="Google Shape;163;g89865560b9_0_147:notes"/>
           <p:cNvSpPr txBox="1"/>
           <p:nvPr>
             <p:ph idx="1" type="body"/>
@@ -1499,7 +1499,7 @@
   <p:cSld>
     <p:spTree>
       <p:nvGrpSpPr>
-        <p:cNvPr id="166" name="Shape 166"/>
+        <p:cNvPr id="168" name="Shape 168"/>
         <p:cNvGrpSpPr/>
         <p:nvPr/>
       </p:nvGrpSpPr>
@@ -1513,7 +1513,7 @@
       </p:grpSpPr>
       <p:sp>
         <p:nvSpPr>
-          <p:cNvPr id="167" name="Google Shape;167;g89865560b9_0_155:notes"/>
+          <p:cNvPr id="169" name="Google Shape;169;g89865560b9_0_155:notes"/>
           <p:cNvSpPr/>
           <p:nvPr>
             <p:ph idx="2" type="sldImg"/>
@@ -1548,7 +1548,7 @@
       </p:sp>
       <p:sp>
         <p:nvSpPr>
-          <p:cNvPr id="168" name="Google Shape;168;g89865560b9_0_155:notes"/>
+          <p:cNvPr id="170" name="Google Shape;170;g89865560b9_0_155:notes"/>
           <p:cNvSpPr txBox="1"/>
           <p:nvPr>
             <p:ph idx="1" type="body"/>
@@ -8126,7 +8126,7 @@
         </p:nvSpPr>
         <p:spPr>
           <a:xfrm>
-            <a:off x="311700" y="445025"/>
+            <a:off x="352275" y="169175"/>
             <a:ext cx="8520600" cy="572700"/>
           </a:xfrm>
           <a:prstGeom prst="rect">
@@ -8166,7 +8166,7 @@
         </p:nvSpPr>
         <p:spPr>
           <a:xfrm>
-            <a:off x="311700" y="1152475"/>
+            <a:off x="311700" y="863550"/>
             <a:ext cx="8520600" cy="3416400"/>
           </a:xfrm>
           <a:prstGeom prst="rect">
@@ -8179,7 +8179,7 @@
           </a:bodyPr>
           <a:lstStyle/>
           <a:p>
-            <a:pPr indent="-330200" lvl="0" marL="457200" rtl="0" algn="l">
+            <a:pPr indent="-342900" lvl="0" marL="457200" rtl="0" algn="l">
               <a:lnSpc>
                 <a:spcPct val="150000"/>
               </a:lnSpc>
@@ -8192,44 +8192,166 @@
               <a:buClr>
                 <a:schemeClr val="dk1"/>
               </a:buClr>
-              <a:buSzPts val="1600"/>
+              <a:buSzPts val="1800"/>
               <a:buChar char="●"/>
             </a:pPr>
             <a:r>
-              <a:rPr lang="ru" sz="1600">
+              <a:rPr lang="ru">
                 <a:solidFill>
                   <a:schemeClr val="dk1"/>
                 </a:solidFill>
               </a:rPr>
-              <a:t>В рамках разработки приложения были проведены </a:t>
-            </a:r>
-            <a:r>
-              <a:rPr lang="ru" sz="1600">
-                <a:solidFill>
-                  <a:schemeClr val="dk1"/>
-                </a:solidFill>
-                <a:highlight>
-                  <a:srgbClr val="FFFFFF"/>
-                </a:highlight>
-              </a:rPr>
-              <a:t>smoke, sanity, usability, negative, unit, integration </a:t>
-            </a:r>
-            <a:r>
-              <a:rPr lang="ru" sz="1600">
+              <a:t>Smoke</a:t>
+            </a:r>
+            <a:endParaRPr>
+              <a:solidFill>
+                <a:schemeClr val="dk1"/>
+              </a:solidFill>
+            </a:endParaRPr>
+          </a:p>
+          <a:p>
+            <a:pPr indent="0" lvl="0" marL="0" rtl="0" algn="l">
+              <a:lnSpc>
+                <a:spcPct val="150000"/>
+              </a:lnSpc>
+              <a:spcBef>
+                <a:spcPts val="0"/>
+              </a:spcBef>
+              <a:spcAft>
+                <a:spcPts val="0"/>
+              </a:spcAft>
+              <a:buNone/>
+            </a:pPr>
+            <a:r>
+              <a:t/>
+            </a:r>
+            <a:endParaRPr sz="1600">
+              <a:solidFill>
+                <a:schemeClr val="dk1"/>
+              </a:solidFill>
+            </a:endParaRPr>
+          </a:p>
+          <a:p>
+            <a:pPr indent="0" lvl="0" marL="0" rtl="0" algn="l">
+              <a:lnSpc>
+                <a:spcPct val="150000"/>
+              </a:lnSpc>
+              <a:spcBef>
+                <a:spcPts val="0"/>
+              </a:spcBef>
+              <a:spcAft>
+                <a:spcPts val="0"/>
+              </a:spcAft>
+              <a:buNone/>
+            </a:pPr>
+            <a:r>
+              <a:t/>
+            </a:r>
+            <a:endParaRPr sz="1600">
+              <a:solidFill>
+                <a:schemeClr val="dk1"/>
+              </a:solidFill>
+            </a:endParaRPr>
+          </a:p>
+          <a:p>
+            <a:pPr indent="0" lvl="0" marL="0" rtl="0" algn="l">
+              <a:lnSpc>
+                <a:spcPct val="150000"/>
+              </a:lnSpc>
+              <a:spcBef>
+                <a:spcPts val="0"/>
+              </a:spcBef>
+              <a:spcAft>
+                <a:spcPts val="0"/>
+              </a:spcAft>
+              <a:buNone/>
+            </a:pPr>
+            <a:r>
+              <a:t/>
+            </a:r>
+            <a:endParaRPr sz="1600">
+              <a:solidFill>
+                <a:schemeClr val="dk1"/>
+              </a:solidFill>
+            </a:endParaRPr>
+          </a:p>
+          <a:p>
+            <a:pPr indent="0" lvl="0" marL="0" rtl="0" algn="l">
+              <a:lnSpc>
+                <a:spcPct val="150000"/>
+              </a:lnSpc>
+              <a:spcBef>
+                <a:spcPts val="0"/>
+              </a:spcBef>
+              <a:spcAft>
+                <a:spcPts val="0"/>
+              </a:spcAft>
+              <a:buNone/>
+            </a:pPr>
+            <a:r>
+              <a:t/>
+            </a:r>
+            <a:endParaRPr sz="1600">
+              <a:solidFill>
+                <a:schemeClr val="dk1"/>
+              </a:solidFill>
+            </a:endParaRPr>
+          </a:p>
+          <a:p>
+            <a:pPr indent="0" lvl="0" marL="0" rtl="0" algn="l">
+              <a:lnSpc>
+                <a:spcPct val="150000"/>
+              </a:lnSpc>
+              <a:spcBef>
+                <a:spcPts val="0"/>
+              </a:spcBef>
+              <a:spcAft>
+                <a:spcPts val="0"/>
+              </a:spcAft>
+              <a:buNone/>
+            </a:pPr>
+            <a:r>
+              <a:t/>
+            </a:r>
+            <a:endParaRPr sz="1600">
+              <a:solidFill>
+                <a:schemeClr val="dk1"/>
+              </a:solidFill>
+            </a:endParaRPr>
+          </a:p>
+          <a:p>
+            <a:pPr indent="-342900" lvl="0" marL="457200" rtl="0" algn="l">
+              <a:lnSpc>
+                <a:spcPct val="150000"/>
+              </a:lnSpc>
+              <a:spcBef>
+                <a:spcPts val="0"/>
+              </a:spcBef>
+              <a:spcAft>
+                <a:spcPts val="0"/>
+              </a:spcAft>
+              <a:buClr>
+                <a:schemeClr val="dk1"/>
+              </a:buClr>
+              <a:buSzPts val="1800"/>
+              <a:buChar char="●"/>
+            </a:pPr>
+            <a:r>
+              <a:rPr lang="ru">
                 <a:solidFill>
                   <a:schemeClr val="dk1"/>
                 </a:solidFill>
               </a:rPr>
-              <a:t>тестирования, в соответствии с поставленными целями тестирования, которые были описаны в плане тестирования.</a:t>
-            </a:r>
-            <a:endParaRPr sz="1600">
+              <a:t>Sanity</a:t>
+            </a:r>
+            <a:endParaRPr>
               <a:solidFill>
                 <a:schemeClr val="dk1"/>
               </a:solidFill>
             </a:endParaRPr>
           </a:p>
           <a:p>
-            <a:pPr indent="-330200" lvl="0" marL="457200" rtl="0" algn="just">
+            <a:pPr indent="0" lvl="0" marL="0" rtl="0" algn="l">
               <a:lnSpc>
                 <a:spcPct val="150000"/>
               </a:lnSpc>
@@ -8239,30 +8361,37 @@
               <a:spcAft>
                 <a:spcPts val="0"/>
               </a:spcAft>
-              <a:buClr>
-                <a:schemeClr val="dk1"/>
-              </a:buClr>
-              <a:buSzPts val="1600"/>
-              <a:buChar char="●"/>
-            </a:pPr>
-            <a:r>
-              <a:rPr lang="ru" sz="1600">
-                <a:solidFill>
-                  <a:schemeClr val="dk1"/>
-                </a:solidFill>
-                <a:highlight>
-                  <a:srgbClr val="FFFFFF"/>
-                </a:highlight>
-              </a:rPr>
-              <a:t>В рамках проведения составленных тестовых кейсов для системы, можно утверждать, что поведение системы является корректным для всех описанных тестовых сценариев.</a:t>
+              <a:buNone/>
+            </a:pPr>
+            <a:r>
+              <a:t/>
             </a:r>
             <a:endParaRPr sz="1600">
               <a:solidFill>
                 <a:schemeClr val="dk1"/>
               </a:solidFill>
-              <a:highlight>
-                <a:srgbClr val="FFFFFF"/>
-              </a:highlight>
+            </a:endParaRPr>
+          </a:p>
+          <a:p>
+            <a:pPr indent="0" lvl="0" marL="457200" rtl="0" algn="l">
+              <a:lnSpc>
+                <a:spcPct val="150000"/>
+              </a:lnSpc>
+              <a:spcBef>
+                <a:spcPts val="0"/>
+              </a:spcBef>
+              <a:spcAft>
+                <a:spcPts val="0"/>
+              </a:spcAft>
+              <a:buNone/>
+            </a:pPr>
+            <a:r>
+              <a:t/>
+            </a:r>
+            <a:endParaRPr sz="1600">
+              <a:solidFill>
+                <a:schemeClr val="dk1"/>
+              </a:solidFill>
             </a:endParaRPr>
           </a:p>
           <a:p>
@@ -8334,6 +8463,62 @@
           </a:p>
         </p:txBody>
       </p:sp>
+      <p:pic>
+        <p:nvPicPr>
+          <p:cNvPr id="145" name="Google Shape;145;p25"/>
+          <p:cNvPicPr preferRelativeResize="0"/>
+          <p:nvPr/>
+        </p:nvPicPr>
+        <p:blipFill>
+          <a:blip r:embed="rId3">
+            <a:alphaModFix/>
+          </a:blip>
+          <a:stretch>
+            <a:fillRect/>
+          </a:stretch>
+        </p:blipFill>
+        <p:spPr>
+          <a:xfrm>
+            <a:off x="1885575" y="1028026"/>
+            <a:ext cx="6987299" cy="2039345"/>
+          </a:xfrm>
+          <a:prstGeom prst="rect">
+            <a:avLst/>
+          </a:prstGeom>
+          <a:noFill/>
+          <a:ln>
+            <a:noFill/>
+          </a:ln>
+        </p:spPr>
+      </p:pic>
+      <p:pic>
+        <p:nvPicPr>
+          <p:cNvPr id="146" name="Google Shape;146;p25"/>
+          <p:cNvPicPr preferRelativeResize="0"/>
+          <p:nvPr/>
+        </p:nvPicPr>
+        <p:blipFill>
+          <a:blip r:embed="rId4">
+            <a:alphaModFix/>
+          </a:blip>
+          <a:stretch>
+            <a:fillRect/>
+          </a:stretch>
+        </p:blipFill>
+        <p:spPr>
+          <a:xfrm>
+            <a:off x="1905850" y="3505850"/>
+            <a:ext cx="6946726" cy="1216409"/>
+          </a:xfrm>
+          <a:prstGeom prst="rect">
+            <a:avLst/>
+          </a:prstGeom>
+          <a:noFill/>
+          <a:ln>
+            <a:noFill/>
+          </a:ln>
+        </p:spPr>
+      </p:pic>
     </p:spTree>
   </p:cSld>
   <p:clrMapOvr>
@@ -8347,7 +8532,7 @@
   <p:cSld>
     <p:spTree>
       <p:nvGrpSpPr>
-        <p:cNvPr id="148" name="Shape 148"/>
+        <p:cNvPr id="150" name="Shape 150"/>
         <p:cNvGrpSpPr/>
         <p:nvPr/>
       </p:nvGrpSpPr>
@@ -8361,7 +8546,7 @@
       </p:grpSpPr>
       <p:sp>
         <p:nvSpPr>
-          <p:cNvPr id="149" name="Google Shape;149;p26"/>
+          <p:cNvPr id="151" name="Google Shape;151;p26"/>
           <p:cNvSpPr txBox="1"/>
           <p:nvPr>
             <p:ph type="title"/>
@@ -8401,7 +8586,7 @@
       </p:sp>
       <p:sp>
         <p:nvSpPr>
-          <p:cNvPr id="150" name="Google Shape;150;p26"/>
+          <p:cNvPr id="152" name="Google Shape;152;p26"/>
           <p:cNvSpPr txBox="1"/>
           <p:nvPr>
             <p:ph idx="12" type="sldNum"/>
@@ -8441,7 +8626,7 @@
       </p:sp>
       <p:pic>
         <p:nvPicPr>
-          <p:cNvPr id="151" name="Google Shape;151;p26"/>
+          <p:cNvPr id="153" name="Google Shape;153;p26"/>
           <p:cNvPicPr preferRelativeResize="0"/>
           <p:nvPr/>
         </p:nvPicPr>
@@ -8480,7 +8665,7 @@
   <p:cSld>
     <p:spTree>
       <p:nvGrpSpPr>
-        <p:cNvPr id="155" name="Shape 155"/>
+        <p:cNvPr id="157" name="Shape 157"/>
         <p:cNvGrpSpPr/>
         <p:nvPr/>
       </p:nvGrpSpPr>
@@ -8494,7 +8679,7 @@
       </p:grpSpPr>
       <p:sp>
         <p:nvSpPr>
-          <p:cNvPr id="156" name="Google Shape;156;p27"/>
+          <p:cNvPr id="158" name="Google Shape;158;p27"/>
           <p:cNvSpPr txBox="1"/>
           <p:nvPr>
             <p:ph type="title"/>
@@ -8534,7 +8719,7 @@
       </p:sp>
       <p:sp>
         <p:nvSpPr>
-          <p:cNvPr id="157" name="Google Shape;157;p27"/>
+          <p:cNvPr id="159" name="Google Shape;159;p27"/>
           <p:cNvSpPr txBox="1"/>
           <p:nvPr>
             <p:ph idx="12" type="sldNum"/>
@@ -8574,7 +8759,7 @@
       </p:sp>
       <p:pic>
         <p:nvPicPr>
-          <p:cNvPr id="158" name="Google Shape;158;p27"/>
+          <p:cNvPr id="160" name="Google Shape;160;p27"/>
           <p:cNvPicPr preferRelativeResize="0"/>
           <p:nvPr/>
         </p:nvPicPr>
@@ -8613,7 +8798,7 @@
   <p:cSld>
     <p:spTree>
       <p:nvGrpSpPr>
-        <p:cNvPr id="162" name="Shape 162"/>
+        <p:cNvPr id="164" name="Shape 164"/>
         <p:cNvGrpSpPr/>
         <p:nvPr/>
       </p:nvGrpSpPr>
@@ -8627,7 +8812,7 @@
       </p:grpSpPr>
       <p:sp>
         <p:nvSpPr>
-          <p:cNvPr id="163" name="Google Shape;163;p28"/>
+          <p:cNvPr id="165" name="Google Shape;165;p28"/>
           <p:cNvSpPr txBox="1"/>
           <p:nvPr>
             <p:ph type="title"/>
@@ -8667,7 +8852,7 @@
       </p:sp>
       <p:sp>
         <p:nvSpPr>
-          <p:cNvPr id="164" name="Google Shape;164;p28"/>
+          <p:cNvPr id="166" name="Google Shape;166;p28"/>
           <p:cNvSpPr txBox="1"/>
           <p:nvPr>
             <p:ph idx="12" type="sldNum"/>
@@ -8707,7 +8892,7 @@
       </p:sp>
       <p:pic>
         <p:nvPicPr>
-          <p:cNvPr id="165" name="Google Shape;165;p28"/>
+          <p:cNvPr id="167" name="Google Shape;167;p28"/>
           <p:cNvPicPr preferRelativeResize="0"/>
           <p:nvPr/>
         </p:nvPicPr>
@@ -8746,7 +8931,7 @@
   <p:cSld>
     <p:spTree>
       <p:nvGrpSpPr>
-        <p:cNvPr id="169" name="Shape 169"/>
+        <p:cNvPr id="171" name="Shape 171"/>
         <p:cNvGrpSpPr/>
         <p:nvPr/>
       </p:nvGrpSpPr>
@@ -8760,7 +8945,7 @@
       </p:grpSpPr>
       <p:sp>
         <p:nvSpPr>
-          <p:cNvPr id="170" name="Google Shape;170;p29"/>
+          <p:cNvPr id="172" name="Google Shape;172;p29"/>
           <p:cNvSpPr txBox="1"/>
           <p:nvPr>
             <p:ph type="title"/>
@@ -8800,7 +8985,7 @@
       </p:sp>
       <p:sp>
         <p:nvSpPr>
-          <p:cNvPr id="171" name="Google Shape;171;p29"/>
+          <p:cNvPr id="173" name="Google Shape;173;p29"/>
           <p:cNvSpPr txBox="1"/>
           <p:nvPr>
             <p:ph idx="1" type="body"/>
@@ -8948,7 +9133,7 @@
       </p:sp>
       <p:sp>
         <p:nvSpPr>
-          <p:cNvPr id="172" name="Google Shape;172;p29"/>
+          <p:cNvPr id="174" name="Google Shape;174;p29"/>
           <p:cNvSpPr txBox="1"/>
           <p:nvPr>
             <p:ph idx="12" type="sldNum"/>
@@ -10277,7 +10462,7 @@
         </p:nvSpPr>
         <p:spPr>
           <a:xfrm>
-            <a:off x="311700" y="1310600"/>
+            <a:off x="237500" y="1285900"/>
             <a:ext cx="8520600" cy="3258300"/>
           </a:xfrm>
           <a:prstGeom prst="rect">
@@ -10290,7 +10475,7 @@
           </a:bodyPr>
           <a:lstStyle/>
           <a:p>
-            <a:pPr indent="-342900" lvl="0" marL="457200" rtl="0" algn="l">
+            <a:pPr indent="-349250" lvl="0" marL="457200" rtl="0" algn="l">
               <a:lnSpc>
                 <a:spcPct val="150000"/>
               </a:lnSpc>
@@ -10303,33 +10488,56 @@
               <a:buClr>
                 <a:srgbClr val="000000"/>
               </a:buClr>
-              <a:buSzPts val="1800"/>
+              <a:buSzPts val="1900"/>
               <a:buChar char="●"/>
             </a:pPr>
             <a:r>
-              <a:rPr lang="ru">
+              <a:rPr lang="ru" sz="1900">
                 <a:solidFill>
                   <a:srgbClr val="000000"/>
                 </a:solidFill>
               </a:rPr>
-              <a:t>Н</a:t>
-            </a:r>
-            <a:r>
-              <a:rPr lang="ru">
+              <a:t>Улучшение умений и навыков персонала</a:t>
+            </a:r>
+            <a:endParaRPr sz="1900">
+              <a:solidFill>
+                <a:srgbClr val="000000"/>
+              </a:solidFill>
+            </a:endParaRPr>
+          </a:p>
+          <a:p>
+            <a:pPr indent="-349250" lvl="0" marL="457200" rtl="0" algn="l">
+              <a:lnSpc>
+                <a:spcPct val="150000"/>
+              </a:lnSpc>
+              <a:spcBef>
+                <a:spcPts val="0"/>
+              </a:spcBef>
+              <a:spcAft>
+                <a:spcPts val="0"/>
+              </a:spcAft>
+              <a:buClr>
+                <a:srgbClr val="000000"/>
+              </a:buClr>
+              <a:buSzPts val="1900"/>
+              <a:buChar char="●"/>
+            </a:pPr>
+            <a:r>
+              <a:rPr lang="ru" sz="1900">
                 <a:solidFill>
                   <a:srgbClr val="000000"/>
                 </a:solidFill>
               </a:rPr>
-              <a:t>е надо отправлять сотрудников в командировки на учебу, отрывать от производства, искать замену, нести дополнительные расходы.</a:t>
-            </a:r>
-            <a:endParaRPr>
+              <a:t>Использование мультимедийных технологий в обучении</a:t>
+            </a:r>
+            <a:endParaRPr sz="1900">
               <a:solidFill>
                 <a:srgbClr val="000000"/>
               </a:solidFill>
             </a:endParaRPr>
           </a:p>
           <a:p>
-            <a:pPr indent="-342900" lvl="0" marL="457200" rtl="0" algn="l">
+            <a:pPr indent="-349250" lvl="0" marL="457200" rtl="0" algn="l">
               <a:lnSpc>
                 <a:spcPct val="150000"/>
               </a:lnSpc>
@@ -10342,18 +10550,49 @@
               <a:buClr>
                 <a:srgbClr val="000000"/>
               </a:buClr>
-              <a:buSzPts val="1800"/>
+              <a:buSzPts val="1900"/>
               <a:buChar char="●"/>
             </a:pPr>
             <a:r>
-              <a:rPr lang="ru">
+              <a:rPr lang="ru" sz="1900">
                 <a:solidFill>
                   <a:srgbClr val="000000"/>
                 </a:solidFill>
               </a:rPr>
-              <a:t>Персонал может эффективно обучаться не выходя из дома или прямо на рабочем месте, выделив для этого специальное время.</a:t>
-            </a:r>
-            <a:endParaRPr>
+              <a:t>Экономия времени и средств на обучение</a:t>
+            </a:r>
+            <a:endParaRPr sz="1900">
+              <a:solidFill>
+                <a:srgbClr val="000000"/>
+              </a:solidFill>
+            </a:endParaRPr>
+          </a:p>
+          <a:p>
+            <a:pPr indent="-349250" lvl="0" marL="457200" rtl="0" algn="l">
+              <a:lnSpc>
+                <a:spcPct val="150000"/>
+              </a:lnSpc>
+              <a:spcBef>
+                <a:spcPts val="0"/>
+              </a:spcBef>
+              <a:spcAft>
+                <a:spcPts val="0"/>
+              </a:spcAft>
+              <a:buClr>
+                <a:srgbClr val="000000"/>
+              </a:buClr>
+              <a:buSzPts val="1900"/>
+              <a:buChar char="●"/>
+            </a:pPr>
+            <a:r>
+              <a:rPr lang="ru" sz="1900">
+                <a:solidFill>
+                  <a:srgbClr val="000000"/>
+                </a:solidFill>
+              </a:rPr>
+              <a:t>Удалённое обучение не выходя из дома или прямо на рабочем месте</a:t>
+            </a:r>
+            <a:endParaRPr sz="1900">
               <a:solidFill>
                 <a:srgbClr val="000000"/>
               </a:solidFill>
@@ -11341,7 +11580,7 @@
                   <a:srgbClr val="000000"/>
                 </a:solidFill>
               </a:rPr>
-              <a:t>Система НЕ должна позволять НЕ администраторам доступ к интерфейсу администратора.</a:t>
+              <a:t>Система не должна позволять не администраторам доступ к интерфейсу администратора.</a:t>
             </a:r>
             <a:endParaRPr sz="1500">
               <a:solidFill>
@@ -11372,7 +11611,7 @@
                   <a:srgbClr val="000000"/>
                 </a:solidFill>
               </a:rPr>
-              <a:t>Система НЕ должна позволять НЕ инструкторам доступ к интерфейсу инструктора.</a:t>
+              <a:t>Система не должна позволять не инструкторам доступ к интерфейсу инструктора.</a:t>
             </a:r>
             <a:endParaRPr sz="1500">
               <a:solidFill>
@@ -12340,6 +12579,285 @@
 </file>
 
 <file path=ppt/theme/theme1.xml><?xml version="1.0" encoding="utf-8"?>
+<a:theme xmlns:a="http://schemas.openxmlformats.org/drawingml/2006/main" xmlns:r="http://schemas.openxmlformats.org/officeDocument/2006/relationships">
+  <a:themeElements>
+    <a:clrScheme name="Default">
+      <a:dk1>
+        <a:srgbClr val="000000"/>
+      </a:dk1>
+      <a:lt1>
+        <a:srgbClr val="FFFFFF"/>
+      </a:lt1>
+      <a:dk2>
+        <a:srgbClr val="158158"/>
+      </a:dk2>
+      <a:lt2>
+        <a:srgbClr val="F3F3F3"/>
+      </a:lt2>
+      <a:accent1>
+        <a:srgbClr val="058DC7"/>
+      </a:accent1>
+      <a:accent2>
+        <a:srgbClr val="50B432"/>
+      </a:accent2>
+      <a:accent3>
+        <a:srgbClr val="ED561B"/>
+      </a:accent3>
+      <a:accent4>
+        <a:srgbClr val="EDEF00"/>
+      </a:accent4>
+      <a:accent5>
+        <a:srgbClr val="24CBE5"/>
+      </a:accent5>
+      <a:accent6>
+        <a:srgbClr val="64E572"/>
+      </a:accent6>
+      <a:hlink>
+        <a:srgbClr val="2200CC"/>
+      </a:hlink>
+      <a:folHlink>
+        <a:srgbClr val="551A8B"/>
+      </a:folHlink>
+    </a:clrScheme>
+    <a:fontScheme name="Office">
+      <a:majorFont>
+        <a:latin typeface="Arial"/>
+        <a:ea typeface=""/>
+        <a:cs typeface=""/>
+        <a:font script="Jpan" typeface="ＭＳ Ｐゴシック"/>
+        <a:font script="Hang" typeface="맑은 고딕"/>
+        <a:font script="Hans" typeface="宋体"/>
+        <a:font script="Hant" typeface="新細明體"/>
+        <a:font script="Arab" typeface="Times New Roman"/>
+        <a:font script="Hebr" typeface="Times New Roman"/>
+        <a:font script="Thai" typeface="Angsana New"/>
+        <a:font script="Ethi" typeface="Nyala"/>
+        <a:font script="Beng" typeface="Vrinda"/>
+        <a:font script="Gujr" typeface="Shruti"/>
+        <a:font script="Khmr" typeface="MoolBoran"/>
+        <a:font script="Knda" typeface="Tunga"/>
+        <a:font script="Guru" typeface="Raavi"/>
+        <a:font script="Cans" typeface="Euphemia"/>
+        <a:font script="Cher" typeface="Plantagenet Cherokee"/>
+        <a:font script="Yiii" typeface="Microsoft Yi Baiti"/>
+        <a:font script="Tibt" typeface="Microsoft Himalaya"/>
+        <a:font script="Thaa" typeface="MV Boli"/>
+        <a:font script="Deva" typeface="Mangal"/>
+        <a:font script="Telu" typeface="Gautami"/>
+        <a:font script="Taml" typeface="Latha"/>
+        <a:font script="Syrc" typeface="Estrangelo Edessa"/>
+        <a:font script="Orya" typeface="Kalinga"/>
+        <a:font script="Mlym" typeface="Kartika"/>
+        <a:font script="Laoo" typeface="DokChampa"/>
+        <a:font script="Sinh" typeface="Iskoola Pota"/>
+        <a:font script="Mong" typeface="Mongolian Baiti"/>
+        <a:font script="Viet" typeface="Times New Roman"/>
+        <a:font script="Uigh" typeface="Microsoft Uighur"/>
+        <a:font script="Geor" typeface="Sylfaen"/>
+      </a:majorFont>
+      <a:minorFont>
+        <a:latin typeface="Arial"/>
+        <a:ea typeface=""/>
+        <a:cs typeface=""/>
+        <a:font script="Jpan" typeface="ＭＳ Ｐゴシック"/>
+        <a:font script="Hang" typeface="맑은 고딕"/>
+        <a:font script="Hans" typeface="宋体"/>
+        <a:font script="Hant" typeface="新細明體"/>
+        <a:font script="Arab" typeface="Arial"/>
+        <a:font script="Hebr" typeface="Arial"/>
+        <a:font script="Thai" typeface="Cordia New"/>
+        <a:font script="Ethi" typeface="Nyala"/>
+        <a:font script="Beng" typeface="Vrinda"/>
+        <a:font script="Gujr" typeface="Shruti"/>
+        <a:font script="Khmr" typeface="DaunPenh"/>
+        <a:font script="Knda" typeface="Tunga"/>
+        <a:font script="Guru" typeface="Raavi"/>
+        <a:font script="Cans" typeface="Euphemia"/>
+        <a:font script="Cher" typeface="Plantagenet Cherokee"/>
+        <a:font script="Yiii" typeface="Microsoft Yi Baiti"/>
+        <a:font script="Tibt" typeface="Microsoft Himalaya"/>
+        <a:font script="Thaa" typeface="MV Boli"/>
+        <a:font script="Deva" typeface="Mangal"/>
+        <a:font script="Telu" typeface="Gautami"/>
+        <a:font script="Taml" typeface="Latha"/>
+        <a:font script="Syrc" typeface="Estrangelo Edessa"/>
+        <a:font script="Orya" typeface="Kalinga"/>
+        <a:font script="Mlym" typeface="Kartika"/>
+        <a:font script="Laoo" typeface="DokChampa"/>
+        <a:font script="Sinh" typeface="Iskoola Pota"/>
+        <a:font script="Mong" typeface="Mongolian Baiti"/>
+        <a:font script="Viet" typeface="Arial"/>
+        <a:font script="Uigh" typeface="Microsoft Uighur"/>
+        <a:font script="Geor" typeface="Sylfaen"/>
+      </a:minorFont>
+    </a:fontScheme>
+    <a:fmtScheme name="Office">
+      <a:fillStyleLst>
+        <a:solidFill>
+          <a:schemeClr val="phClr"/>
+        </a:solidFill>
+        <a:gradFill rotWithShape="1">
+          <a:gsLst>
+            <a:gs pos="0">
+              <a:schemeClr val="phClr">
+                <a:tint val="50000"/>
+                <a:satMod val="300000"/>
+              </a:schemeClr>
+            </a:gs>
+            <a:gs pos="35000">
+              <a:schemeClr val="phClr">
+                <a:tint val="37000"/>
+                <a:satMod val="300000"/>
+              </a:schemeClr>
+            </a:gs>
+            <a:gs pos="100000">
+              <a:schemeClr val="phClr">
+                <a:tint val="15000"/>
+                <a:satMod val="350000"/>
+              </a:schemeClr>
+            </a:gs>
+          </a:gsLst>
+          <a:lin ang="16200000" scaled="1"/>
+        </a:gradFill>
+        <a:gradFill rotWithShape="1">
+          <a:gsLst>
+            <a:gs pos="0">
+              <a:schemeClr val="phClr">
+                <a:tint val="100000"/>
+                <a:shade val="100000"/>
+                <a:satMod val="130000"/>
+              </a:schemeClr>
+            </a:gs>
+            <a:gs pos="100000">
+              <a:schemeClr val="phClr">
+                <a:tint val="50000"/>
+                <a:shade val="100000"/>
+                <a:satMod val="350000"/>
+              </a:schemeClr>
+            </a:gs>
+          </a:gsLst>
+          <a:lin ang="16200000" scaled="0"/>
+        </a:gradFill>
+      </a:fillStyleLst>
+      <a:lnStyleLst>
+        <a:ln w="9525" cap="flat" cmpd="sng" algn="ctr">
+          <a:solidFill>
+            <a:schemeClr val="phClr">
+              <a:shade val="95000"/>
+              <a:satMod val="105000"/>
+            </a:schemeClr>
+          </a:solidFill>
+          <a:prstDash val="solid"/>
+        </a:ln>
+        <a:ln w="25400" cap="flat" cmpd="sng" algn="ctr">
+          <a:solidFill>
+            <a:schemeClr val="phClr"/>
+          </a:solidFill>
+          <a:prstDash val="solid"/>
+        </a:ln>
+        <a:ln w="38100" cap="flat" cmpd="sng" algn="ctr">
+          <a:solidFill>
+            <a:schemeClr val="phClr"/>
+          </a:solidFill>
+          <a:prstDash val="solid"/>
+        </a:ln>
+      </a:lnStyleLst>
+      <a:effectStyleLst>
+        <a:effectStyle>
+          <a:effectLst>
+            <a:outerShdw blurRad="40000" dist="20000" dir="5400000" rotWithShape="0">
+              <a:srgbClr val="000000">
+                <a:alpha val="38000"/>
+              </a:srgbClr>
+            </a:outerShdw>
+          </a:effectLst>
+        </a:effectStyle>
+        <a:effectStyle>
+          <a:effectLst>
+            <a:outerShdw blurRad="40000" dist="23000" dir="5400000" rotWithShape="0">
+              <a:srgbClr val="000000">
+                <a:alpha val="35000"/>
+              </a:srgbClr>
+            </a:outerShdw>
+          </a:effectLst>
+        </a:effectStyle>
+        <a:effectStyle>
+          <a:effectLst>
+            <a:outerShdw blurRad="40000" dist="23000" dir="5400000" rotWithShape="0">
+              <a:srgbClr val="000000">
+                <a:alpha val="35000"/>
+              </a:srgbClr>
+            </a:outerShdw>
+          </a:effectLst>
+          <a:scene3d>
+            <a:camera prst="orthographicFront">
+              <a:rot lat="0" lon="0" rev="0"/>
+            </a:camera>
+            <a:lightRig rig="threePt" dir="t">
+              <a:rot lat="0" lon="0" rev="1200000"/>
+            </a:lightRig>
+          </a:scene3d>
+          <a:sp3d>
+            <a:bevelT w="63500" h="25400"/>
+          </a:sp3d>
+        </a:effectStyle>
+      </a:effectStyleLst>
+      <a:bgFillStyleLst>
+        <a:solidFill>
+          <a:schemeClr val="phClr"/>
+        </a:solidFill>
+        <a:gradFill rotWithShape="1">
+          <a:gsLst>
+            <a:gs pos="0">
+              <a:schemeClr val="phClr">
+                <a:tint val="40000"/>
+                <a:satMod val="350000"/>
+              </a:schemeClr>
+            </a:gs>
+            <a:gs pos="40000">
+              <a:schemeClr val="phClr">
+                <a:tint val="45000"/>
+                <a:shade val="99000"/>
+                <a:satMod val="350000"/>
+              </a:schemeClr>
+            </a:gs>
+            <a:gs pos="100000">
+              <a:schemeClr val="phClr">
+                <a:shade val="20000"/>
+                <a:satMod val="255000"/>
+              </a:schemeClr>
+            </a:gs>
+          </a:gsLst>
+          <a:path path="circle">
+            <a:fillToRect l="50000" t="-80000" r="50000" b="180000"/>
+          </a:path>
+        </a:gradFill>
+        <a:gradFill rotWithShape="1">
+          <a:gsLst>
+            <a:gs pos="0">
+              <a:schemeClr val="phClr">
+                <a:tint val="80000"/>
+                <a:satMod val="300000"/>
+              </a:schemeClr>
+            </a:gs>
+            <a:gs pos="100000">
+              <a:schemeClr val="phClr">
+                <a:shade val="30000"/>
+                <a:satMod val="200000"/>
+              </a:schemeClr>
+            </a:gs>
+          </a:gsLst>
+          <a:path path="circle">
+            <a:fillToRect l="50000" t="50000" r="50000" b="50000"/>
+          </a:path>
+        </a:gradFill>
+      </a:bgFillStyleLst>
+    </a:fmtScheme>
+  </a:themeElements>
+</a:theme>
+</file>
+
+<file path=ppt/theme/theme2.xml><?xml version="1.0" encoding="utf-8"?>
 <a:theme xmlns:a="http://schemas.openxmlformats.org/drawingml/2006/main" xmlns:r="http://schemas.openxmlformats.org/officeDocument/2006/relationships" name="Simple Light">
   <a:themeElements>
     <a:clrScheme name="Simple Light">
@@ -12616,283 +13134,4 @@
     </a:fmtScheme>
   </a:themeElements>
 </a:theme>
-</file>
-
-<file path=ppt/theme/theme2.xml><?xml version="1.0" encoding="utf-8"?>
-<a:theme xmlns:a="http://schemas.openxmlformats.org/drawingml/2006/main" xmlns:r="http://schemas.openxmlformats.org/officeDocument/2006/relationships">
-  <a:themeElements>
-    <a:clrScheme name="Default">
-      <a:dk1>
-        <a:srgbClr val="000000"/>
-      </a:dk1>
-      <a:lt1>
-        <a:srgbClr val="FFFFFF"/>
-      </a:lt1>
-      <a:dk2>
-        <a:srgbClr val="158158"/>
-      </a:dk2>
-      <a:lt2>
-        <a:srgbClr val="F3F3F3"/>
-      </a:lt2>
-      <a:accent1>
-        <a:srgbClr val="058DC7"/>
-      </a:accent1>
-      <a:accent2>
-        <a:srgbClr val="50B432"/>
-      </a:accent2>
-      <a:accent3>
-        <a:srgbClr val="ED561B"/>
-      </a:accent3>
-      <a:accent4>
-        <a:srgbClr val="EDEF00"/>
-      </a:accent4>
-      <a:accent5>
-        <a:srgbClr val="24CBE5"/>
-      </a:accent5>
-      <a:accent6>
-        <a:srgbClr val="64E572"/>
-      </a:accent6>
-      <a:hlink>
-        <a:srgbClr val="2200CC"/>
-      </a:hlink>
-      <a:folHlink>
-        <a:srgbClr val="551A8B"/>
-      </a:folHlink>
-    </a:clrScheme>
-    <a:fontScheme name="Office">
-      <a:majorFont>
-        <a:latin typeface="Arial"/>
-        <a:ea typeface=""/>
-        <a:cs typeface=""/>
-        <a:font script="Jpan" typeface="ＭＳ Ｐゴシック"/>
-        <a:font script="Hang" typeface="맑은 고딕"/>
-        <a:font script="Hans" typeface="宋体"/>
-        <a:font script="Hant" typeface="新細明體"/>
-        <a:font script="Arab" typeface="Times New Roman"/>
-        <a:font script="Hebr" typeface="Times New Roman"/>
-        <a:font script="Thai" typeface="Angsana New"/>
-        <a:font script="Ethi" typeface="Nyala"/>
-        <a:font script="Beng" typeface="Vrinda"/>
-        <a:font script="Gujr" typeface="Shruti"/>
-        <a:font script="Khmr" typeface="MoolBoran"/>
-        <a:font script="Knda" typeface="Tunga"/>
-        <a:font script="Guru" typeface="Raavi"/>
-        <a:font script="Cans" typeface="Euphemia"/>
-        <a:font script="Cher" typeface="Plantagenet Cherokee"/>
-        <a:font script="Yiii" typeface="Microsoft Yi Baiti"/>
-        <a:font script="Tibt" typeface="Microsoft Himalaya"/>
-        <a:font script="Thaa" typeface="MV Boli"/>
-        <a:font script="Deva" typeface="Mangal"/>
-        <a:font script="Telu" typeface="Gautami"/>
-        <a:font script="Taml" typeface="Latha"/>
-        <a:font script="Syrc" typeface="Estrangelo Edessa"/>
-        <a:font script="Orya" typeface="Kalinga"/>
-        <a:font script="Mlym" typeface="Kartika"/>
-        <a:font script="Laoo" typeface="DokChampa"/>
-        <a:font script="Sinh" typeface="Iskoola Pota"/>
-        <a:font script="Mong" typeface="Mongolian Baiti"/>
-        <a:font script="Viet" typeface="Times New Roman"/>
-        <a:font script="Uigh" typeface="Microsoft Uighur"/>
-        <a:font script="Geor" typeface="Sylfaen"/>
-      </a:majorFont>
-      <a:minorFont>
-        <a:latin typeface="Arial"/>
-        <a:ea typeface=""/>
-        <a:cs typeface=""/>
-        <a:font script="Jpan" typeface="ＭＳ Ｐゴシック"/>
-        <a:font script="Hang" typeface="맑은 고딕"/>
-        <a:font script="Hans" typeface="宋体"/>
-        <a:font script="Hant" typeface="新細明體"/>
-        <a:font script="Arab" typeface="Arial"/>
-        <a:font script="Hebr" typeface="Arial"/>
-        <a:font script="Thai" typeface="Cordia New"/>
-        <a:font script="Ethi" typeface="Nyala"/>
-        <a:font script="Beng" typeface="Vrinda"/>
-        <a:font script="Gujr" typeface="Shruti"/>
-        <a:font script="Khmr" typeface="DaunPenh"/>
-        <a:font script="Knda" typeface="Tunga"/>
-        <a:font script="Guru" typeface="Raavi"/>
-        <a:font script="Cans" typeface="Euphemia"/>
-        <a:font script="Cher" typeface="Plantagenet Cherokee"/>
-        <a:font script="Yiii" typeface="Microsoft Yi Baiti"/>
-        <a:font script="Tibt" typeface="Microsoft Himalaya"/>
-        <a:font script="Thaa" typeface="MV Boli"/>
-        <a:font script="Deva" typeface="Mangal"/>
-        <a:font script="Telu" typeface="Gautami"/>
-        <a:font script="Taml" typeface="Latha"/>
-        <a:font script="Syrc" typeface="Estrangelo Edessa"/>
-        <a:font script="Orya" typeface="Kalinga"/>
-        <a:font script="Mlym" typeface="Kartika"/>
-        <a:font script="Laoo" typeface="DokChampa"/>
-        <a:font script="Sinh" typeface="Iskoola Pota"/>
-        <a:font script="Mong" typeface="Mongolian Baiti"/>
-        <a:font script="Viet" typeface="Arial"/>
-        <a:font script="Uigh" typeface="Microsoft Uighur"/>
-        <a:font script="Geor" typeface="Sylfaen"/>
-      </a:minorFont>
-    </a:fontScheme>
-    <a:fmtScheme name="Office">
-      <a:fillStyleLst>
-        <a:solidFill>
-          <a:schemeClr val="phClr"/>
-        </a:solidFill>
-        <a:gradFill rotWithShape="1">
-          <a:gsLst>
-            <a:gs pos="0">
-              <a:schemeClr val="phClr">
-                <a:tint val="50000"/>
-                <a:satMod val="300000"/>
-              </a:schemeClr>
-            </a:gs>
-            <a:gs pos="35000">
-              <a:schemeClr val="phClr">
-                <a:tint val="37000"/>
-                <a:satMod val="300000"/>
-              </a:schemeClr>
-            </a:gs>
-            <a:gs pos="100000">
-              <a:schemeClr val="phClr">
-                <a:tint val="15000"/>
-                <a:satMod val="350000"/>
-              </a:schemeClr>
-            </a:gs>
-          </a:gsLst>
-          <a:lin ang="16200000" scaled="1"/>
-        </a:gradFill>
-        <a:gradFill rotWithShape="1">
-          <a:gsLst>
-            <a:gs pos="0">
-              <a:schemeClr val="phClr">
-                <a:tint val="100000"/>
-                <a:shade val="100000"/>
-                <a:satMod val="130000"/>
-              </a:schemeClr>
-            </a:gs>
-            <a:gs pos="100000">
-              <a:schemeClr val="phClr">
-                <a:tint val="50000"/>
-                <a:shade val="100000"/>
-                <a:satMod val="350000"/>
-              </a:schemeClr>
-            </a:gs>
-          </a:gsLst>
-          <a:lin ang="16200000" scaled="0"/>
-        </a:gradFill>
-      </a:fillStyleLst>
-      <a:lnStyleLst>
-        <a:ln w="9525" cap="flat" cmpd="sng" algn="ctr">
-          <a:solidFill>
-            <a:schemeClr val="phClr">
-              <a:shade val="95000"/>
-              <a:satMod val="105000"/>
-            </a:schemeClr>
-          </a:solidFill>
-          <a:prstDash val="solid"/>
-        </a:ln>
-        <a:ln w="25400" cap="flat" cmpd="sng" algn="ctr">
-          <a:solidFill>
-            <a:schemeClr val="phClr"/>
-          </a:solidFill>
-          <a:prstDash val="solid"/>
-        </a:ln>
-        <a:ln w="38100" cap="flat" cmpd="sng" algn="ctr">
-          <a:solidFill>
-            <a:schemeClr val="phClr"/>
-          </a:solidFill>
-          <a:prstDash val="solid"/>
-        </a:ln>
-      </a:lnStyleLst>
-      <a:effectStyleLst>
-        <a:effectStyle>
-          <a:effectLst>
-            <a:outerShdw blurRad="40000" dist="20000" dir="5400000" rotWithShape="0">
-              <a:srgbClr val="000000">
-                <a:alpha val="38000"/>
-              </a:srgbClr>
-            </a:outerShdw>
-          </a:effectLst>
-        </a:effectStyle>
-        <a:effectStyle>
-          <a:effectLst>
-            <a:outerShdw blurRad="40000" dist="23000" dir="5400000" rotWithShape="0">
-              <a:srgbClr val="000000">
-                <a:alpha val="35000"/>
-              </a:srgbClr>
-            </a:outerShdw>
-          </a:effectLst>
-        </a:effectStyle>
-        <a:effectStyle>
-          <a:effectLst>
-            <a:outerShdw blurRad="40000" dist="23000" dir="5400000" rotWithShape="0">
-              <a:srgbClr val="000000">
-                <a:alpha val="35000"/>
-              </a:srgbClr>
-            </a:outerShdw>
-          </a:effectLst>
-          <a:scene3d>
-            <a:camera prst="orthographicFront">
-              <a:rot lat="0" lon="0" rev="0"/>
-            </a:camera>
-            <a:lightRig rig="threePt" dir="t">
-              <a:rot lat="0" lon="0" rev="1200000"/>
-            </a:lightRig>
-          </a:scene3d>
-          <a:sp3d>
-            <a:bevelT w="63500" h="25400"/>
-          </a:sp3d>
-        </a:effectStyle>
-      </a:effectStyleLst>
-      <a:bgFillStyleLst>
-        <a:solidFill>
-          <a:schemeClr val="phClr"/>
-        </a:solidFill>
-        <a:gradFill rotWithShape="1">
-          <a:gsLst>
-            <a:gs pos="0">
-              <a:schemeClr val="phClr">
-                <a:tint val="40000"/>
-                <a:satMod val="350000"/>
-              </a:schemeClr>
-            </a:gs>
-            <a:gs pos="40000">
-              <a:schemeClr val="phClr">
-                <a:tint val="45000"/>
-                <a:shade val="99000"/>
-                <a:satMod val="350000"/>
-              </a:schemeClr>
-            </a:gs>
-            <a:gs pos="100000">
-              <a:schemeClr val="phClr">
-                <a:shade val="20000"/>
-                <a:satMod val="255000"/>
-              </a:schemeClr>
-            </a:gs>
-          </a:gsLst>
-          <a:path path="circle">
-            <a:fillToRect l="50000" t="-80000" r="50000" b="180000"/>
-          </a:path>
-        </a:gradFill>
-        <a:gradFill rotWithShape="1">
-          <a:gsLst>
-            <a:gs pos="0">
-              <a:schemeClr val="phClr">
-                <a:tint val="80000"/>
-                <a:satMod val="300000"/>
-              </a:schemeClr>
-            </a:gs>
-            <a:gs pos="100000">
-              <a:schemeClr val="phClr">
-                <a:shade val="30000"/>
-                <a:satMod val="200000"/>
-              </a:schemeClr>
-            </a:gs>
-          </a:gsLst>
-          <a:path path="circle">
-            <a:fillToRect l="50000" t="50000" r="50000" b="50000"/>
-          </a:path>
-        </a:gradFill>
-      </a:bgFillStyleLst>
-    </a:fmtScheme>
-  </a:themeElements>
-</a:theme>
 </file>
--- a/documentation/Презентация.pptx
+++ b/documentation/Презентация.pptx
@@ -9028,7 +9028,23 @@
                   <a:schemeClr val="dk1"/>
                 </a:solidFill>
               </a:rPr>
-              <a:t>Мы научились работать с документацией, улучшили навыки в создании веб-приложений, работу в команде и научились многому другому.</a:t>
+              <a:t>Мы научились работать с документацией </a:t>
+            </a:r>
+            <a:r>
+              <a:rPr lang="ru" sz="1600">
+                <a:solidFill>
+                  <a:schemeClr val="dk1"/>
+                </a:solidFill>
+              </a:rPr>
+              <a:t>и многому другому</a:t>
+            </a:r>
+            <a:r>
+              <a:rPr lang="ru" sz="1600">
+                <a:solidFill>
+                  <a:schemeClr val="dk1"/>
+                </a:solidFill>
+              </a:rPr>
+              <a:t>, улучшили навыки в создании веб-приложений, работу в команде.</a:t>
             </a:r>
             <a:endParaRPr sz="1600">
               <a:solidFill>
@@ -10477,7 +10493,7 @@
           <a:p>
             <a:pPr indent="-349250" lvl="0" marL="457200" rtl="0" algn="l">
               <a:lnSpc>
-                <a:spcPct val="150000"/>
+                <a:spcPct val="200000"/>
               </a:lnSpc>
               <a:spcBef>
                 <a:spcPts val="0"/>
@@ -10508,7 +10524,7 @@
           <a:p>
             <a:pPr indent="-349250" lvl="0" marL="457200" rtl="0" algn="l">
               <a:lnSpc>
-                <a:spcPct val="150000"/>
+                <a:spcPct val="200000"/>
               </a:lnSpc>
               <a:spcBef>
                 <a:spcPts val="0"/>
@@ -10539,7 +10555,7 @@
           <a:p>
             <a:pPr indent="-349250" lvl="0" marL="457200" rtl="0" algn="l">
               <a:lnSpc>
-                <a:spcPct val="150000"/>
+                <a:spcPct val="200000"/>
               </a:lnSpc>
               <a:spcBef>
                 <a:spcPts val="0"/>
@@ -10570,7 +10586,7 @@
           <a:p>
             <a:pPr indent="-349250" lvl="0" marL="457200" rtl="0" algn="l">
               <a:lnSpc>
-                <a:spcPct val="150000"/>
+                <a:spcPct val="200000"/>
               </a:lnSpc>
               <a:spcBef>
                 <a:spcPts val="0"/>
@@ -10732,7 +10748,7 @@
           <a:p>
             <a:pPr indent="0" lvl="0" marL="0" rtl="0" algn="l">
               <a:lnSpc>
-                <a:spcPct val="115000"/>
+                <a:spcPct val="150000"/>
               </a:lnSpc>
               <a:spcBef>
                 <a:spcPts val="1800"/>
@@ -10764,7 +10780,7 @@
           <a:p>
             <a:pPr indent="450000" lvl="0" marL="0" rtl="0" algn="just">
               <a:lnSpc>
-                <a:spcPct val="115000"/>
+                <a:spcPct val="150000"/>
               </a:lnSpc>
               <a:spcBef>
                 <a:spcPts val="600"/>
@@ -10796,7 +10812,7 @@
           <a:p>
             <a:pPr indent="-323850" lvl="0" marL="914400" rtl="0" algn="just">
               <a:lnSpc>
-                <a:spcPct val="115000"/>
+                <a:spcPct val="150000"/>
               </a:lnSpc>
               <a:spcBef>
                 <a:spcPts val="0"/>
@@ -10827,7 +10843,7 @@
           <a:p>
             <a:pPr indent="-323850" lvl="0" marL="914400" rtl="0" algn="just">
               <a:lnSpc>
-                <a:spcPct val="115000"/>
+                <a:spcPct val="150000"/>
               </a:lnSpc>
               <a:spcBef>
                 <a:spcPts val="0"/>
@@ -10858,7 +10874,7 @@
           <a:p>
             <a:pPr indent="-323850" lvl="1" marL="1371600" rtl="0" algn="just">
               <a:lnSpc>
-                <a:spcPct val="115000"/>
+                <a:spcPct val="150000"/>
               </a:lnSpc>
               <a:spcBef>
                 <a:spcPts val="0"/>
@@ -10889,7 +10905,7 @@
           <a:p>
             <a:pPr indent="-323850" lvl="1" marL="1371600" rtl="0" algn="just">
               <a:lnSpc>
-                <a:spcPct val="115000"/>
+                <a:spcPct val="150000"/>
               </a:lnSpc>
               <a:spcBef>
                 <a:spcPts val="0"/>
@@ -10920,7 +10936,7 @@
           <a:p>
             <a:pPr indent="450000" lvl="0" marL="0" rtl="0" algn="just">
               <a:lnSpc>
-                <a:spcPct val="115000"/>
+                <a:spcPct val="150000"/>
               </a:lnSpc>
               <a:spcBef>
                 <a:spcPts val="0"/>
@@ -10952,7 +10968,7 @@
           <a:p>
             <a:pPr indent="-323850" lvl="0" marL="914400" rtl="0" algn="just">
               <a:lnSpc>
-                <a:spcPct val="115000"/>
+                <a:spcPct val="150000"/>
               </a:lnSpc>
               <a:spcBef>
                 <a:spcPts val="0"/>
@@ -10983,7 +10999,7 @@
           <a:p>
             <a:pPr indent="-323850" lvl="0" marL="914400" rtl="0" algn="just">
               <a:lnSpc>
-                <a:spcPct val="115000"/>
+                <a:spcPct val="150000"/>
               </a:lnSpc>
               <a:spcBef>
                 <a:spcPts val="0"/>
@@ -11147,6 +11163,9 @@
           <a:lstStyle/>
           <a:p>
             <a:pPr indent="0" lvl="0" marL="0" rtl="0" algn="l">
+              <a:lnSpc>
+                <a:spcPct val="150000"/>
+              </a:lnSpc>
               <a:spcBef>
                 <a:spcPts val="1800"/>
               </a:spcBef>
@@ -11171,6 +11190,9 @@
           </a:p>
           <a:p>
             <a:pPr indent="450000" lvl="0" marL="0" rtl="0" algn="just">
+              <a:lnSpc>
+                <a:spcPct val="150000"/>
+              </a:lnSpc>
               <a:spcBef>
                 <a:spcPts val="600"/>
               </a:spcBef>
@@ -11195,6 +11217,9 @@
           </a:p>
           <a:p>
             <a:pPr indent="-323850" lvl="0" marL="914400" rtl="0" algn="just">
+              <a:lnSpc>
+                <a:spcPct val="150000"/>
+              </a:lnSpc>
               <a:spcBef>
                 <a:spcPts val="0"/>
               </a:spcBef>
@@ -11223,6 +11248,9 @@
           </a:p>
           <a:p>
             <a:pPr indent="-323850" lvl="1" marL="1371600" rtl="0" algn="just">
+              <a:lnSpc>
+                <a:spcPct val="150000"/>
+              </a:lnSpc>
               <a:spcBef>
                 <a:spcPts val="0"/>
               </a:spcBef>
@@ -11251,6 +11279,9 @@
           </a:p>
           <a:p>
             <a:pPr indent="-323850" lvl="1" marL="1371600" rtl="0" algn="just">
+              <a:lnSpc>
+                <a:spcPct val="150000"/>
+              </a:lnSpc>
               <a:spcBef>
                 <a:spcPts val="0"/>
               </a:spcBef>
@@ -11279,6 +11310,9 @@
           </a:p>
           <a:p>
             <a:pPr indent="-323850" lvl="1" marL="1371600" rtl="0" algn="just">
+              <a:lnSpc>
+                <a:spcPct val="150000"/>
+              </a:lnSpc>
               <a:spcBef>
                 <a:spcPts val="0"/>
               </a:spcBef>
@@ -11307,6 +11341,9 @@
           </a:p>
           <a:p>
             <a:pPr indent="-323850" lvl="0" marL="914400" rtl="0" algn="just">
+              <a:lnSpc>
+                <a:spcPct val="150000"/>
+              </a:lnSpc>
               <a:spcBef>
                 <a:spcPts val="0"/>
               </a:spcBef>
@@ -11335,6 +11372,9 @@
           </a:p>
           <a:p>
             <a:pPr indent="-323850" lvl="0" marL="914400" rtl="0" algn="just">
+              <a:lnSpc>
+                <a:spcPct val="150000"/>
+              </a:lnSpc>
               <a:spcBef>
                 <a:spcPts val="0"/>
               </a:spcBef>
@@ -11642,7 +11682,7 @@
                   <a:srgbClr val="000000"/>
                 </a:solidFill>
               </a:rPr>
-              <a:t>Система не должна позволять доступ неавторизованным Пользователям к своим данным.	</a:t>
+              <a:t>Система не должна позволять доступ неавторизованным пользователям к своим данным.	</a:t>
             </a:r>
             <a:endParaRPr i="1" sz="1500">
               <a:solidFill>
@@ -12064,7 +12104,7 @@
           <a:p>
             <a:pPr indent="0" lvl="0" marL="0" rtl="0" algn="l">
               <a:lnSpc>
-                <a:spcPct val="115000"/>
+                <a:spcPct val="150000"/>
               </a:lnSpc>
               <a:spcBef>
                 <a:spcPts val="0"/>
@@ -12096,7 +12136,7 @@
           <a:p>
             <a:pPr indent="0" lvl="0" marL="457200" rtl="0" algn="l">
               <a:lnSpc>
-                <a:spcPct val="115000"/>
+                <a:spcPct val="150000"/>
               </a:lnSpc>
               <a:spcBef>
                 <a:spcPts val="0"/>
@@ -12128,7 +12168,7 @@
           <a:p>
             <a:pPr indent="0" lvl="0" marL="457200" rtl="0" algn="l">
               <a:lnSpc>
-                <a:spcPct val="115000"/>
+                <a:spcPct val="150000"/>
               </a:lnSpc>
               <a:spcBef>
                 <a:spcPts val="0"/>
@@ -12160,7 +12200,7 @@
           <a:p>
             <a:pPr indent="0" lvl="0" marL="457200" rtl="0" algn="l">
               <a:lnSpc>
-                <a:spcPct val="115000"/>
+                <a:spcPct val="150000"/>
               </a:lnSpc>
               <a:spcBef>
                 <a:spcPts val="0"/>
@@ -12192,7 +12232,7 @@
           <a:p>
             <a:pPr indent="0" lvl="0" marL="457200" rtl="0" algn="l">
               <a:lnSpc>
-                <a:spcPct val="115000"/>
+                <a:spcPct val="150000"/>
               </a:lnSpc>
               <a:spcBef>
                 <a:spcPts val="0"/>
@@ -12232,7 +12272,7 @@
           <a:p>
             <a:pPr indent="0" lvl="0" marL="457200" rtl="0" algn="l">
               <a:lnSpc>
-                <a:spcPct val="115000"/>
+                <a:spcPct val="150000"/>
               </a:lnSpc>
               <a:spcBef>
                 <a:spcPts val="0"/>
@@ -12312,7 +12352,7 @@
           <a:p>
             <a:pPr indent="0" lvl="0" marL="0" rtl="0" algn="l">
               <a:lnSpc>
-                <a:spcPct val="115000"/>
+                <a:spcPct val="150000"/>
               </a:lnSpc>
               <a:spcBef>
                 <a:spcPts val="0"/>
@@ -12339,7 +12379,7 @@
           <a:p>
             <a:pPr indent="0" lvl="0" marL="457200" rtl="0" algn="l">
               <a:lnSpc>
-                <a:spcPct val="115000"/>
+                <a:spcPct val="150000"/>
               </a:lnSpc>
               <a:spcBef>
                 <a:spcPts val="0"/>
@@ -12366,7 +12406,7 @@
           <a:p>
             <a:pPr indent="0" lvl="0" marL="457200" rtl="0" algn="l">
               <a:lnSpc>
-                <a:spcPct val="115000"/>
+                <a:spcPct val="150000"/>
               </a:lnSpc>
               <a:spcBef>
                 <a:spcPts val="0"/>
